--- a/Kaggle/AFL_Player_Performance_2023/AFL 2023 Player Performance 2.0.pptx
+++ b/Kaggle/AFL_Player_Performance_2023/AFL 2023 Player Performance 2.0.pptx
@@ -39,12 +39,13 @@
     <p:sldId id="305" r:id="rId33"/>
     <p:sldId id="304" r:id="rId34"/>
     <p:sldId id="308" r:id="rId35"/>
-    <p:sldId id="309" r:id="rId36"/>
-    <p:sldId id="310" r:id="rId37"/>
-    <p:sldId id="312" r:id="rId38"/>
-    <p:sldId id="311" r:id="rId39"/>
-    <p:sldId id="277" r:id="rId40"/>
-    <p:sldId id="259" r:id="rId41"/>
+    <p:sldId id="313" r:id="rId36"/>
+    <p:sldId id="309" r:id="rId37"/>
+    <p:sldId id="310" r:id="rId38"/>
+    <p:sldId id="312" r:id="rId39"/>
+    <p:sldId id="311" r:id="rId40"/>
+    <p:sldId id="277" r:id="rId41"/>
+    <p:sldId id="259" r:id="rId42"/>
   </p:sldIdLst>
   <p:sldSz cx="12192000" cy="6858000"/>
   <p:notesSz cx="6858000" cy="9144000"/>
@@ -8555,7 +8556,7 @@
               </a:spcAft>
             </a:pPr>
             <a:r>
-              <a:rPr lang="en-AU" sz="1668" kern="1200">
+              <a:rPr lang="en-AU" sz="1668" kern="1200" dirty="0">
                 <a:solidFill>
                   <a:srgbClr val="555555"/>
                 </a:solidFill>
@@ -8566,9 +8567,9 @@
                 <a:ea typeface="+mn-ea"/>
                 <a:cs typeface="+mn-cs"/>
               </a:rPr>
-              <a:t>The goal for this project is to evaluate player performance evaluation, during the 2023 season. There are 808 players in total currently playing, the list of data include such as Player name, Fantasy Points, Rating Points, Goals, Kicks, Marks, Tackles etc. By analysing performance data, analysts can identify strengths and weaknesses. This can enable coaches to pick up new strategies in future matches. To make informed decisions on player selection, match strategies and training focus areas based on data insights. Allowing further prevention when it comes to injuries and manage recovery plans accordingly. Making easier process to identify potential talent when drafting new players or making trades. </a:t>
-            </a:r>
-            <a:endParaRPr lang="en-AU" sz="2000"/>
+              <a:t>The goal for this project is to evaluate player performance evaluation and predicting fantasy points, during the 2023 season. There are 808 players in total currently playing, the list of data include such as Player name, Fantasy Points, Rating Points, Goals, Kicks, Marks, Tackles etc. By analysing performance data, analysts can identify strengths and weaknesses. This can enable coaches to pick up new strategies in future matches. To make informed decisions on player selection, match strategies and training focus areas based on data insights. Allowing further prevention when it comes to injuries and manage recovery plans accordingly. Making easier process to identify potential talent when drafting new players or making trades. </a:t>
+            </a:r>
+            <a:endParaRPr lang="en-AU" sz="2000" dirty="0"/>
           </a:p>
         </p:txBody>
       </p:sp>
@@ -11287,10 +11288,93 @@
       </p:grpSpPr>
       <p:sp>
         <p:nvSpPr>
-          <p:cNvPr id="10" name="Rectangle 9">
+          <p:cNvPr id="2" name="Title 1">
             <a:extLst>
               <a:ext uri="{FF2B5EF4-FFF2-40B4-BE49-F238E27FC236}">
-                <a16:creationId xmlns:a16="http://schemas.microsoft.com/office/drawing/2014/main" id="{559E787A-A567-464A-BB9E-E9B95AA41E40}"/>
+                <a16:creationId xmlns:a16="http://schemas.microsoft.com/office/drawing/2014/main" id="{D71FF00B-C3BB-3626-7F1F-F28A82C68EFD}"/>
+              </a:ext>
+            </a:extLst>
+          </p:cNvPr>
+          <p:cNvSpPr>
+            <a:spLocks noGrp="1"/>
+          </p:cNvSpPr>
+          <p:nvPr>
+            <p:ph type="title"/>
+          </p:nvPr>
+        </p:nvSpPr>
+        <p:spPr>
+          <a:xfrm>
+            <a:off x="643467" y="643467"/>
+            <a:ext cx="3361498" cy="1267810"/>
+          </a:xfrm>
+        </p:spPr>
+        <p:txBody>
+          <a:bodyPr anchor="b">
+            <a:normAutofit/>
+          </a:bodyPr>
+          <a:lstStyle/>
+          <a:p>
+            <a:pPr algn="l"/>
+            <a:r>
+              <a:rPr lang="en-AU" sz="2400"/>
+              <a:t>Apply normalization</a:t>
+            </a:r>
+          </a:p>
+        </p:txBody>
+      </p:sp>
+      <p:sp>
+        <p:nvSpPr>
+          <p:cNvPr id="3" name="Content Placeholder 2">
+            <a:extLst>
+              <a:ext uri="{FF2B5EF4-FFF2-40B4-BE49-F238E27FC236}">
+                <a16:creationId xmlns:a16="http://schemas.microsoft.com/office/drawing/2014/main" id="{DE32515B-C661-1199-94BC-AE90E5347C16}"/>
+              </a:ext>
+            </a:extLst>
+          </p:cNvPr>
+          <p:cNvSpPr>
+            <a:spLocks noGrp="1"/>
+          </p:cNvSpPr>
+          <p:nvPr>
+            <p:ph idx="1"/>
+          </p:nvPr>
+        </p:nvSpPr>
+        <p:spPr>
+          <a:xfrm>
+            <a:off x="643467" y="2096063"/>
+            <a:ext cx="3361498" cy="4028512"/>
+          </a:xfrm>
+        </p:spPr>
+        <p:txBody>
+          <a:bodyPr>
+            <a:normAutofit/>
+          </a:bodyPr>
+          <a:lstStyle/>
+          <a:p>
+            <a:r>
+              <a:rPr lang="en-US" sz="1400" b="0" i="0" dirty="0">
+                <a:effectLst/>
+                <a:latin typeface="system-ui"/>
+              </a:rPr>
+              <a:t>One reason this is important is because the variables are multiplied by the model weights. So that the scale of the outputs and the scale of the gradients are affected by the scale of the inputs.</a:t>
+            </a:r>
+          </a:p>
+          <a:p>
+            <a:r>
+              <a:rPr lang="en-US" sz="1400" b="0" i="0" dirty="0">
+                <a:effectLst/>
+                <a:latin typeface="system-ui"/>
+              </a:rPr>
+              <a:t>Although a model might converge without normalization, normalization makes training much more stable.</a:t>
+            </a:r>
+          </a:p>
+        </p:txBody>
+      </p:sp>
+      <p:sp>
+        <p:nvSpPr>
+          <p:cNvPr id="12" name="Rectangle 11">
+            <a:extLst>
+              <a:ext uri="{FF2B5EF4-FFF2-40B4-BE49-F238E27FC236}">
+                <a16:creationId xmlns:a16="http://schemas.microsoft.com/office/drawing/2014/main" id="{B1007713-5891-46A9-BACA-FAD760FE2353}"/>
               </a:ext>
               <a:ext uri="{C183D7F6-B498-43B3-948B-1728B52AA6E4}">
                 <adec:decorative xmlns:adec="http://schemas.microsoft.com/office/drawing/2017/decorative" val="1"/>
@@ -11310,18 +11394,41 @@
         </p:nvSpPr>
         <p:spPr>
           <a:xfrm>
-            <a:off x="0" y="0"/>
-            <a:ext cx="12192000" cy="6858000"/>
+            <a:off x="4758793" y="733425"/>
+            <a:ext cx="6696075" cy="5391150"/>
           </a:xfrm>
           <a:prstGeom prst="rect">
             <a:avLst/>
           </a:prstGeom>
           <a:solidFill>
-            <a:schemeClr val="bg2"/>
+            <a:schemeClr val="bg2">
+              <a:lumMod val="75000"/>
+            </a:schemeClr>
           </a:solidFill>
-          <a:ln>
-            <a:noFill/>
+          <a:ln w="190500" cap="sq">
+            <a:solidFill>
+              <a:schemeClr val="bg2">
+                <a:lumMod val="75000"/>
+              </a:schemeClr>
+            </a:solidFill>
+            <a:miter lim="800000"/>
           </a:ln>
+          <a:effectLst>
+            <a:outerShdw blurRad="54991" dist="17780" dir="5400000" algn="ctr" rotWithShape="0">
+              <a:schemeClr val="bg1">
+                <a:alpha val="40000"/>
+              </a:schemeClr>
+            </a:outerShdw>
+          </a:effectLst>
+          <a:scene3d>
+            <a:camera prst="orthographicFront"/>
+            <a:lightRig rig="twoPt" dir="t">
+              <a:rot lat="0" lon="0" rev="7200000"/>
+            </a:lightRig>
+          </a:scene3d>
+          <a:sp3d>
+            <a:bevelT w="25400" h="19050"/>
+          </a:sp3d>
         </p:spPr>
         <p:style>
           <a:lnRef idx="2">
@@ -11350,10 +11457,10 @@
       </p:sp>
       <p:sp>
         <p:nvSpPr>
-          <p:cNvPr id="12" name="Rectangle 11">
+          <p:cNvPr id="14" name="Rectangle 13">
             <a:extLst>
               <a:ext uri="{FF2B5EF4-FFF2-40B4-BE49-F238E27FC236}">
-                <a16:creationId xmlns:a16="http://schemas.microsoft.com/office/drawing/2014/main" id="{36A476B5-55AD-43A1-B1FB-5AC76B54F0A0}"/>
+                <a16:creationId xmlns:a16="http://schemas.microsoft.com/office/drawing/2014/main" id="{74BB6AA7-7EAD-4D3B-9335-B6E8BD7E6891}"/>
               </a:ext>
               <a:ext uri="{C183D7F6-B498-43B3-948B-1728B52AA6E4}">
                 <adec:decorative xmlns:adec="http://schemas.microsoft.com/office/drawing/2017/decorative" val="1"/>
@@ -11373,25 +11480,18 @@
         </p:nvSpPr>
         <p:spPr>
           <a:xfrm>
-            <a:off x="477012" y="480060"/>
-            <a:ext cx="11237976" cy="5897880"/>
+            <a:off x="4823972" y="799817"/>
+            <a:ext cx="6565717" cy="5258367"/>
           </a:xfrm>
           <a:prstGeom prst="rect">
             <a:avLst/>
           </a:prstGeom>
-          <a:solidFill>
-            <a:srgbClr val="FFFFFF"/>
-          </a:solidFill>
-          <a:ln w="9525">
-            <a:noFill/>
+          <a:noFill/>
+          <a:ln w="12700">
+            <a:solidFill>
+              <a:schemeClr val="bg2"/>
+            </a:solidFill>
           </a:ln>
-          <a:effectLst>
-            <a:outerShdw blurRad="63500" dist="17780" dir="5400000" algn="t" rotWithShape="0">
-              <a:prstClr val="black">
-                <a:alpha val="43000"/>
-              </a:prstClr>
-            </a:outerShdw>
-          </a:effectLst>
         </p:spPr>
         <p:style>
           <a:lnRef idx="2">
@@ -11420,10 +11520,10 @@
       </p:sp>
       <p:pic>
         <p:nvPicPr>
-          <p:cNvPr id="5" name="Picture 4" descr="A screenshot of a computer program&#10;&#10;Description automatically generated">
+          <p:cNvPr id="7" name="Picture 6" descr="A screenshot of a computer code&#10;&#10;Description automatically generated">
             <a:extLst>
               <a:ext uri="{FF2B5EF4-FFF2-40B4-BE49-F238E27FC236}">
-                <a16:creationId xmlns:a16="http://schemas.microsoft.com/office/drawing/2014/main" id="{9E943CF3-BB0E-EF50-119E-B07C31350A0A}"/>
+                <a16:creationId xmlns:a16="http://schemas.microsoft.com/office/drawing/2014/main" id="{67C0A1DF-0B05-E2AC-D660-E370156B8348}"/>
               </a:ext>
             </a:extLst>
           </p:cNvPr>
@@ -11446,8 +11546,8 @@
         </p:blipFill>
         <p:spPr>
           <a:xfrm>
-            <a:off x="2158850" y="643467"/>
-            <a:ext cx="7874299" cy="5571066"/>
+            <a:off x="5170931" y="2037843"/>
+            <a:ext cx="5895257" cy="2812676"/>
           </a:xfrm>
           <a:prstGeom prst="rect">
             <a:avLst/>
@@ -11457,7 +11557,7 @@
     </p:spTree>
     <p:extLst>
       <p:ext uri="{BB962C8B-B14F-4D97-AF65-F5344CB8AC3E}">
-        <p14:creationId xmlns:p14="http://schemas.microsoft.com/office/powerpoint/2010/main" val="553192009"/>
+        <p14:creationId xmlns:p14="http://schemas.microsoft.com/office/powerpoint/2010/main" val="4001857596"/>
       </p:ext>
     </p:extLst>
   </p:cSld>
@@ -11468,72 +11568,6 @@
 </file>
 
 <file path=ppt/slides/slide36.xml><?xml version="1.0" encoding="utf-8"?>
-<p:sld xmlns:a="http://schemas.openxmlformats.org/drawingml/2006/main" xmlns:r="http://schemas.openxmlformats.org/officeDocument/2006/relationships" xmlns:p="http://schemas.openxmlformats.org/presentationml/2006/main">
-  <p:cSld>
-    <p:spTree>
-      <p:nvGrpSpPr>
-        <p:cNvPr id="1" name=""/>
-        <p:cNvGrpSpPr/>
-        <p:nvPr/>
-      </p:nvGrpSpPr>
-      <p:grpSpPr>
-        <a:xfrm>
-          <a:off x="0" y="0"/>
-          <a:ext cx="0" cy="0"/>
-          <a:chOff x="0" y="0"/>
-          <a:chExt cx="0" cy="0"/>
-        </a:xfrm>
-      </p:grpSpPr>
-      <p:pic>
-        <p:nvPicPr>
-          <p:cNvPr id="5" name="Picture 4" descr="A screenshot of a computer&#10;&#10;Description automatically generated">
-            <a:extLst>
-              <a:ext uri="{FF2B5EF4-FFF2-40B4-BE49-F238E27FC236}">
-                <a16:creationId xmlns:a16="http://schemas.microsoft.com/office/drawing/2014/main" id="{80A87D92-082F-FC43-7852-B24EBEF5C70E}"/>
-              </a:ext>
-            </a:extLst>
-          </p:cNvPr>
-          <p:cNvPicPr>
-            <a:picLocks noChangeAspect="1"/>
-          </p:cNvPicPr>
-          <p:nvPr/>
-        </p:nvPicPr>
-        <p:blipFill>
-          <a:blip r:embed="rId2">
-            <a:extLst>
-              <a:ext uri="{28A0092B-C50C-407E-A947-70E740481C1C}">
-                <a14:useLocalDpi xmlns:a14="http://schemas.microsoft.com/office/drawing/2010/main" val="0"/>
-              </a:ext>
-            </a:extLst>
-          </a:blip>
-          <a:stretch>
-            <a:fillRect/>
-          </a:stretch>
-        </p:blipFill>
-        <p:spPr>
-          <a:xfrm>
-            <a:off x="1415175" y="648530"/>
-            <a:ext cx="8999841" cy="5560939"/>
-          </a:xfrm>
-          <a:prstGeom prst="rect">
-            <a:avLst/>
-          </a:prstGeom>
-        </p:spPr>
-      </p:pic>
-    </p:spTree>
-    <p:extLst>
-      <p:ext uri="{BB962C8B-B14F-4D97-AF65-F5344CB8AC3E}">
-        <p14:creationId xmlns:p14="http://schemas.microsoft.com/office/powerpoint/2010/main" val="2913617616"/>
-      </p:ext>
-    </p:extLst>
-  </p:cSld>
-  <p:clrMapOvr>
-    <a:masterClrMapping/>
-  </p:clrMapOvr>
-</p:sld>
-</file>
-
-<file path=ppt/slides/slide37.xml><?xml version="1.0" encoding="utf-8"?>
 <p:sld xmlns:a="http://schemas.openxmlformats.org/drawingml/2006/main" xmlns:r="http://schemas.openxmlformats.org/officeDocument/2006/relationships" xmlns:p="http://schemas.openxmlformats.org/presentationml/2006/main">
   <p:cSld>
     <p:bg>
@@ -11574,6 +11608,293 @@
       </p:grpSpPr>
       <p:sp>
         <p:nvSpPr>
+          <p:cNvPr id="10" name="Rectangle 9">
+            <a:extLst>
+              <a:ext uri="{FF2B5EF4-FFF2-40B4-BE49-F238E27FC236}">
+                <a16:creationId xmlns:a16="http://schemas.microsoft.com/office/drawing/2014/main" id="{559E787A-A567-464A-BB9E-E9B95AA41E40}"/>
+              </a:ext>
+              <a:ext uri="{C183D7F6-B498-43B3-948B-1728B52AA6E4}">
+                <adec:decorative xmlns:adec="http://schemas.microsoft.com/office/drawing/2017/decorative" val="1"/>
+              </a:ext>
+            </a:extLst>
+          </p:cNvPr>
+          <p:cNvSpPr>
+            <a:spLocks noGrp="1" noRot="1" noChangeAspect="1" noMove="1" noResize="1" noEditPoints="1" noAdjustHandles="1" noChangeArrowheads="1" noChangeShapeType="1" noTextEdit="1"/>
+          </p:cNvSpPr>
+          <p:nvPr>
+            <p:extLst>
+              <p:ext uri="{386F3935-93C4-4BCD-93E2-E3B085C9AB24}">
+                <p16:designElem xmlns:p16="http://schemas.microsoft.com/office/powerpoint/2015/main" val="1"/>
+              </p:ext>
+            </p:extLst>
+          </p:nvPr>
+        </p:nvSpPr>
+        <p:spPr>
+          <a:xfrm>
+            <a:off x="0" y="0"/>
+            <a:ext cx="12192000" cy="6858000"/>
+          </a:xfrm>
+          <a:prstGeom prst="rect">
+            <a:avLst/>
+          </a:prstGeom>
+          <a:solidFill>
+            <a:schemeClr val="bg2"/>
+          </a:solidFill>
+          <a:ln>
+            <a:noFill/>
+          </a:ln>
+        </p:spPr>
+        <p:style>
+          <a:lnRef idx="2">
+            <a:schemeClr val="accent1">
+              <a:shade val="50000"/>
+            </a:schemeClr>
+          </a:lnRef>
+          <a:fillRef idx="1">
+            <a:schemeClr val="accent1"/>
+          </a:fillRef>
+          <a:effectRef idx="0">
+            <a:schemeClr val="accent1"/>
+          </a:effectRef>
+          <a:fontRef idx="minor">
+            <a:schemeClr val="lt1"/>
+          </a:fontRef>
+        </p:style>
+        <p:txBody>
+          <a:bodyPr rtlCol="0" anchor="ctr"/>
+          <a:lstStyle/>
+          <a:p>
+            <a:pPr algn="ctr"/>
+            <a:endParaRPr lang="en-US"/>
+          </a:p>
+        </p:txBody>
+      </p:sp>
+      <p:sp>
+        <p:nvSpPr>
+          <p:cNvPr id="12" name="Rectangle 11">
+            <a:extLst>
+              <a:ext uri="{FF2B5EF4-FFF2-40B4-BE49-F238E27FC236}">
+                <a16:creationId xmlns:a16="http://schemas.microsoft.com/office/drawing/2014/main" id="{36A476B5-55AD-43A1-B1FB-5AC76B54F0A0}"/>
+              </a:ext>
+              <a:ext uri="{C183D7F6-B498-43B3-948B-1728B52AA6E4}">
+                <adec:decorative xmlns:adec="http://schemas.microsoft.com/office/drawing/2017/decorative" val="1"/>
+              </a:ext>
+            </a:extLst>
+          </p:cNvPr>
+          <p:cNvSpPr>
+            <a:spLocks noGrp="1" noRot="1" noChangeAspect="1" noMove="1" noResize="1" noEditPoints="1" noAdjustHandles="1" noChangeArrowheads="1" noChangeShapeType="1" noTextEdit="1"/>
+          </p:cNvSpPr>
+          <p:nvPr>
+            <p:extLst>
+              <p:ext uri="{386F3935-93C4-4BCD-93E2-E3B085C9AB24}">
+                <p16:designElem xmlns:p16="http://schemas.microsoft.com/office/powerpoint/2015/main" val="1"/>
+              </p:ext>
+            </p:extLst>
+          </p:nvPr>
+        </p:nvSpPr>
+        <p:spPr>
+          <a:xfrm>
+            <a:off x="477012" y="480060"/>
+            <a:ext cx="11237976" cy="5897880"/>
+          </a:xfrm>
+          <a:prstGeom prst="rect">
+            <a:avLst/>
+          </a:prstGeom>
+          <a:solidFill>
+            <a:srgbClr val="FFFFFF"/>
+          </a:solidFill>
+          <a:ln w="9525">
+            <a:noFill/>
+          </a:ln>
+          <a:effectLst>
+            <a:outerShdw blurRad="63500" dist="17780" dir="5400000" algn="t" rotWithShape="0">
+              <a:prstClr val="black">
+                <a:alpha val="43000"/>
+              </a:prstClr>
+            </a:outerShdw>
+          </a:effectLst>
+        </p:spPr>
+        <p:style>
+          <a:lnRef idx="2">
+            <a:schemeClr val="accent1">
+              <a:shade val="50000"/>
+            </a:schemeClr>
+          </a:lnRef>
+          <a:fillRef idx="1">
+            <a:schemeClr val="accent1"/>
+          </a:fillRef>
+          <a:effectRef idx="0">
+            <a:schemeClr val="accent1"/>
+          </a:effectRef>
+          <a:fontRef idx="minor">
+            <a:schemeClr val="lt1"/>
+          </a:fontRef>
+        </p:style>
+        <p:txBody>
+          <a:bodyPr rtlCol="0" anchor="ctr"/>
+          <a:lstStyle/>
+          <a:p>
+            <a:pPr algn="ctr"/>
+            <a:endParaRPr lang="en-US"/>
+          </a:p>
+        </p:txBody>
+      </p:sp>
+      <p:pic>
+        <p:nvPicPr>
+          <p:cNvPr id="5" name="Picture 4" descr="A screenshot of a computer program&#10;&#10;Description automatically generated">
+            <a:extLst>
+              <a:ext uri="{FF2B5EF4-FFF2-40B4-BE49-F238E27FC236}">
+                <a16:creationId xmlns:a16="http://schemas.microsoft.com/office/drawing/2014/main" id="{9E943CF3-BB0E-EF50-119E-B07C31350A0A}"/>
+              </a:ext>
+            </a:extLst>
+          </p:cNvPr>
+          <p:cNvPicPr>
+            <a:picLocks noChangeAspect="1"/>
+          </p:cNvPicPr>
+          <p:nvPr/>
+        </p:nvPicPr>
+        <p:blipFill>
+          <a:blip r:embed="rId3">
+            <a:extLst>
+              <a:ext uri="{28A0092B-C50C-407E-A947-70E740481C1C}">
+                <a14:useLocalDpi xmlns:a14="http://schemas.microsoft.com/office/drawing/2010/main" val="0"/>
+              </a:ext>
+            </a:extLst>
+          </a:blip>
+          <a:stretch>
+            <a:fillRect/>
+          </a:stretch>
+        </p:blipFill>
+        <p:spPr>
+          <a:xfrm>
+            <a:off x="2158850" y="643467"/>
+            <a:ext cx="7874299" cy="5571066"/>
+          </a:xfrm>
+          <a:prstGeom prst="rect">
+            <a:avLst/>
+          </a:prstGeom>
+        </p:spPr>
+      </p:pic>
+    </p:spTree>
+    <p:extLst>
+      <p:ext uri="{BB962C8B-B14F-4D97-AF65-F5344CB8AC3E}">
+        <p14:creationId xmlns:p14="http://schemas.microsoft.com/office/powerpoint/2010/main" val="553192009"/>
+      </p:ext>
+    </p:extLst>
+  </p:cSld>
+  <p:clrMapOvr>
+    <a:masterClrMapping/>
+  </p:clrMapOvr>
+</p:sld>
+</file>
+
+<file path=ppt/slides/slide37.xml><?xml version="1.0" encoding="utf-8"?>
+<p:sld xmlns:a="http://schemas.openxmlformats.org/drawingml/2006/main" xmlns:r="http://schemas.openxmlformats.org/officeDocument/2006/relationships" xmlns:p="http://schemas.openxmlformats.org/presentationml/2006/main">
+  <p:cSld>
+    <p:spTree>
+      <p:nvGrpSpPr>
+        <p:cNvPr id="1" name=""/>
+        <p:cNvGrpSpPr/>
+        <p:nvPr/>
+      </p:nvGrpSpPr>
+      <p:grpSpPr>
+        <a:xfrm>
+          <a:off x="0" y="0"/>
+          <a:ext cx="0" cy="0"/>
+          <a:chOff x="0" y="0"/>
+          <a:chExt cx="0" cy="0"/>
+        </a:xfrm>
+      </p:grpSpPr>
+      <p:pic>
+        <p:nvPicPr>
+          <p:cNvPr id="5" name="Picture 4" descr="A screenshot of a computer&#10;&#10;Description automatically generated">
+            <a:extLst>
+              <a:ext uri="{FF2B5EF4-FFF2-40B4-BE49-F238E27FC236}">
+                <a16:creationId xmlns:a16="http://schemas.microsoft.com/office/drawing/2014/main" id="{80A87D92-082F-FC43-7852-B24EBEF5C70E}"/>
+              </a:ext>
+            </a:extLst>
+          </p:cNvPr>
+          <p:cNvPicPr>
+            <a:picLocks noChangeAspect="1"/>
+          </p:cNvPicPr>
+          <p:nvPr/>
+        </p:nvPicPr>
+        <p:blipFill>
+          <a:blip r:embed="rId2">
+            <a:extLst>
+              <a:ext uri="{28A0092B-C50C-407E-A947-70E740481C1C}">
+                <a14:useLocalDpi xmlns:a14="http://schemas.microsoft.com/office/drawing/2010/main" val="0"/>
+              </a:ext>
+            </a:extLst>
+          </a:blip>
+          <a:stretch>
+            <a:fillRect/>
+          </a:stretch>
+        </p:blipFill>
+        <p:spPr>
+          <a:xfrm>
+            <a:off x="1415175" y="648530"/>
+            <a:ext cx="8999841" cy="5560939"/>
+          </a:xfrm>
+          <a:prstGeom prst="rect">
+            <a:avLst/>
+          </a:prstGeom>
+        </p:spPr>
+      </p:pic>
+    </p:spTree>
+    <p:extLst>
+      <p:ext uri="{BB962C8B-B14F-4D97-AF65-F5344CB8AC3E}">
+        <p14:creationId xmlns:p14="http://schemas.microsoft.com/office/powerpoint/2010/main" val="2913617616"/>
+      </p:ext>
+    </p:extLst>
+  </p:cSld>
+  <p:clrMapOvr>
+    <a:masterClrMapping/>
+  </p:clrMapOvr>
+</p:sld>
+</file>
+
+<file path=ppt/slides/slide38.xml><?xml version="1.0" encoding="utf-8"?>
+<p:sld xmlns:a="http://schemas.openxmlformats.org/drawingml/2006/main" xmlns:r="http://schemas.openxmlformats.org/officeDocument/2006/relationships" xmlns:p="http://schemas.openxmlformats.org/presentationml/2006/main">
+  <p:cSld>
+    <p:bg>
+      <p:bgPr>
+        <a:blipFill rotWithShape="1">
+          <a:blip r:embed="rId2">
+            <a:duotone>
+              <a:schemeClr val="bg2">
+                <a:shade val="18000"/>
+                <a:satMod val="160000"/>
+                <a:lumMod val="28000"/>
+              </a:schemeClr>
+              <a:schemeClr val="bg2">
+                <a:tint val="95000"/>
+                <a:satMod val="160000"/>
+                <a:lumMod val="116000"/>
+              </a:schemeClr>
+            </a:duotone>
+          </a:blip>
+          <a:stretch/>
+        </a:blipFill>
+        <a:effectLst/>
+      </p:bgPr>
+    </p:bg>
+    <p:spTree>
+      <p:nvGrpSpPr>
+        <p:cNvPr id="1" name=""/>
+        <p:cNvGrpSpPr/>
+        <p:nvPr/>
+      </p:nvGrpSpPr>
+      <p:grpSpPr>
+        <a:xfrm>
+          <a:off x="0" y="0"/>
+          <a:ext cx="0" cy="0"/>
+          <a:chOff x="0" y="0"/>
+          <a:chExt cx="0" cy="0"/>
+        </a:xfrm>
+      </p:grpSpPr>
+      <p:sp>
+        <p:nvSpPr>
           <p:cNvPr id="6" name="TextBox 5">
             <a:extLst>
               <a:ext uri="{FF2B5EF4-FFF2-40B4-BE49-F238E27FC236}">
@@ -11611,7 +11932,7 @@
               </a:spcAft>
             </a:pPr>
             <a:r>
-              <a:rPr lang="en-US" sz="4000" b="1" cap="all">
+              <a:rPr lang="en-US" sz="4000" b="1" cap="all" dirty="0">
                 <a:effectLst>
                   <a:outerShdw blurRad="50800" dist="63500" dir="2700000" algn="tl" rotWithShape="0">
                     <a:srgbClr val="000000">
@@ -11821,7 +12142,7 @@
 </p:sld>
 </file>
 
-<file path=ppt/slides/slide38.xml><?xml version="1.0" encoding="utf-8"?>
+<file path=ppt/slides/slide39.xml><?xml version="1.0" encoding="utf-8"?>
 <p:sld xmlns:a="http://schemas.openxmlformats.org/drawingml/2006/main" xmlns:r="http://schemas.openxmlformats.org/officeDocument/2006/relationships" xmlns:p="http://schemas.openxmlformats.org/presentationml/2006/main">
   <p:cSld>
     <p:spTree>
@@ -11887,7 +12208,276 @@
 </p:sld>
 </file>
 
-<file path=ppt/slides/slide39.xml><?xml version="1.0" encoding="utf-8"?>
+<file path=ppt/slides/slide4.xml><?xml version="1.0" encoding="utf-8"?>
+<p:sld xmlns:a="http://schemas.openxmlformats.org/drawingml/2006/main" xmlns:r="http://schemas.openxmlformats.org/officeDocument/2006/relationships" xmlns:p="http://schemas.openxmlformats.org/presentationml/2006/main">
+  <p:cSld>
+    <p:bg>
+      <p:bgPr>
+        <a:blipFill rotWithShape="1">
+          <a:blip r:embed="rId2">
+            <a:duotone>
+              <a:schemeClr val="bg2">
+                <a:shade val="18000"/>
+                <a:satMod val="160000"/>
+                <a:lumMod val="28000"/>
+              </a:schemeClr>
+              <a:schemeClr val="bg2">
+                <a:tint val="95000"/>
+                <a:satMod val="160000"/>
+                <a:lumMod val="116000"/>
+              </a:schemeClr>
+            </a:duotone>
+          </a:blip>
+          <a:stretch/>
+        </a:blipFill>
+        <a:effectLst/>
+      </p:bgPr>
+    </p:bg>
+    <p:spTree>
+      <p:nvGrpSpPr>
+        <p:cNvPr id="1" name=""/>
+        <p:cNvGrpSpPr/>
+        <p:nvPr/>
+      </p:nvGrpSpPr>
+      <p:grpSpPr>
+        <a:xfrm>
+          <a:off x="0" y="0"/>
+          <a:ext cx="0" cy="0"/>
+          <a:chOff x="0" y="0"/>
+          <a:chExt cx="0" cy="0"/>
+        </a:xfrm>
+      </p:grpSpPr>
+      <p:sp>
+        <p:nvSpPr>
+          <p:cNvPr id="15" name="Rectangle 14">
+            <a:extLst>
+              <a:ext uri="{FF2B5EF4-FFF2-40B4-BE49-F238E27FC236}">
+                <a16:creationId xmlns:a16="http://schemas.microsoft.com/office/drawing/2014/main" id="{C64CB08F-C3BD-4E43-AD15-33EFC40C0AD3}"/>
+              </a:ext>
+              <a:ext uri="{C183D7F6-B498-43B3-948B-1728B52AA6E4}">
+                <adec:decorative xmlns:adec="http://schemas.microsoft.com/office/drawing/2017/decorative" val="1"/>
+              </a:ext>
+            </a:extLst>
+          </p:cNvPr>
+          <p:cNvSpPr>
+            <a:spLocks noGrp="1" noRot="1" noChangeAspect="1" noMove="1" noResize="1" noEditPoints="1" noAdjustHandles="1" noChangeArrowheads="1" noChangeShapeType="1" noTextEdit="1"/>
+          </p:cNvSpPr>
+          <p:nvPr>
+            <p:extLst>
+              <p:ext uri="{386F3935-93C4-4BCD-93E2-E3B085C9AB24}">
+                <p16:designElem xmlns:p16="http://schemas.microsoft.com/office/powerpoint/2015/main" val="1"/>
+              </p:ext>
+            </p:extLst>
+          </p:nvPr>
+        </p:nvSpPr>
+        <p:spPr>
+          <a:xfrm>
+            <a:off x="752474" y="733425"/>
+            <a:ext cx="10693662" cy="5391150"/>
+          </a:xfrm>
+          <a:prstGeom prst="rect">
+            <a:avLst/>
+          </a:prstGeom>
+          <a:solidFill>
+            <a:srgbClr val="FFFFFF"/>
+          </a:solidFill>
+          <a:ln w="190500" cap="sq">
+            <a:solidFill>
+              <a:srgbClr val="FFFFFF"/>
+            </a:solidFill>
+            <a:miter lim="800000"/>
+          </a:ln>
+          <a:effectLst>
+            <a:outerShdw blurRad="54991" dist="17780" dir="5400000" algn="ctr" rotWithShape="0">
+              <a:schemeClr val="bg1">
+                <a:alpha val="40000"/>
+              </a:schemeClr>
+            </a:outerShdw>
+          </a:effectLst>
+          <a:scene3d>
+            <a:camera prst="orthographicFront"/>
+            <a:lightRig rig="twoPt" dir="t">
+              <a:rot lat="0" lon="0" rev="7200000"/>
+            </a:lightRig>
+          </a:scene3d>
+          <a:sp3d>
+            <a:bevelT w="25400" h="19050"/>
+          </a:sp3d>
+        </p:spPr>
+        <p:style>
+          <a:lnRef idx="2">
+            <a:schemeClr val="accent1">
+              <a:shade val="50000"/>
+            </a:schemeClr>
+          </a:lnRef>
+          <a:fillRef idx="1">
+            <a:schemeClr val="accent1"/>
+          </a:fillRef>
+          <a:effectRef idx="0">
+            <a:schemeClr val="accent1"/>
+          </a:effectRef>
+          <a:fontRef idx="minor">
+            <a:schemeClr val="lt1"/>
+          </a:fontRef>
+        </p:style>
+        <p:txBody>
+          <a:bodyPr rtlCol="0" anchor="ctr"/>
+          <a:lstStyle/>
+          <a:p>
+            <a:pPr algn="ctr"/>
+            <a:endParaRPr lang="en-US"/>
+          </a:p>
+        </p:txBody>
+      </p:sp>
+      <p:sp>
+        <p:nvSpPr>
+          <p:cNvPr id="16" name="Rectangle 15">
+            <a:extLst>
+              <a:ext uri="{FF2B5EF4-FFF2-40B4-BE49-F238E27FC236}">
+                <a16:creationId xmlns:a16="http://schemas.microsoft.com/office/drawing/2014/main" id="{A87302A0-0ECF-43A3-BE19-6AD50BFA8BEF}"/>
+              </a:ext>
+              <a:ext uri="{C183D7F6-B498-43B3-948B-1728B52AA6E4}">
+                <adec:decorative xmlns:adec="http://schemas.microsoft.com/office/drawing/2017/decorative" val="1"/>
+              </a:ext>
+            </a:extLst>
+          </p:cNvPr>
+          <p:cNvSpPr>
+            <a:spLocks noGrp="1" noRot="1" noChangeAspect="1" noMove="1" noResize="1" noEditPoints="1" noAdjustHandles="1" noChangeArrowheads="1" noChangeShapeType="1" noTextEdit="1"/>
+          </p:cNvSpPr>
+          <p:nvPr>
+            <p:extLst>
+              <p:ext uri="{386F3935-93C4-4BCD-93E2-E3B085C9AB24}">
+                <p16:designElem xmlns:p16="http://schemas.microsoft.com/office/powerpoint/2015/main" val="1"/>
+              </p:ext>
+            </p:extLst>
+          </p:nvPr>
+        </p:nvSpPr>
+        <p:spPr>
+          <a:xfrm>
+            <a:off x="812496" y="799817"/>
+            <a:ext cx="10575170" cy="5258367"/>
+          </a:xfrm>
+          <a:prstGeom prst="rect">
+            <a:avLst/>
+          </a:prstGeom>
+          <a:noFill/>
+          <a:ln w="12700">
+            <a:solidFill>
+              <a:schemeClr val="bg2"/>
+            </a:solidFill>
+          </a:ln>
+        </p:spPr>
+        <p:style>
+          <a:lnRef idx="2">
+            <a:schemeClr val="accent1">
+              <a:shade val="50000"/>
+            </a:schemeClr>
+          </a:lnRef>
+          <a:fillRef idx="1">
+            <a:schemeClr val="accent1"/>
+          </a:fillRef>
+          <a:effectRef idx="0">
+            <a:schemeClr val="accent1"/>
+          </a:effectRef>
+          <a:fontRef idx="minor">
+            <a:schemeClr val="lt1"/>
+          </a:fontRef>
+        </p:style>
+        <p:txBody>
+          <a:bodyPr rtlCol="0" anchor="ctr"/>
+          <a:lstStyle/>
+          <a:p>
+            <a:pPr algn="ctr"/>
+            <a:endParaRPr lang="en-US"/>
+          </a:p>
+        </p:txBody>
+      </p:sp>
+      <p:pic>
+        <p:nvPicPr>
+          <p:cNvPr id="4" name="Picture 3" descr="A screenshot of a computer&#10;&#10;Description automatically generated">
+            <a:extLst>
+              <a:ext uri="{FF2B5EF4-FFF2-40B4-BE49-F238E27FC236}">
+                <a16:creationId xmlns:a16="http://schemas.microsoft.com/office/drawing/2014/main" id="{6EC22765-81AD-5AC7-360D-089C15913857}"/>
+              </a:ext>
+            </a:extLst>
+          </p:cNvPr>
+          <p:cNvPicPr>
+            <a:picLocks noChangeAspect="1"/>
+          </p:cNvPicPr>
+          <p:nvPr/>
+        </p:nvPicPr>
+        <p:blipFill>
+          <a:blip r:embed="rId3">
+            <a:extLst>
+              <a:ext uri="{28A0092B-C50C-407E-A947-70E740481C1C}">
+                <a14:useLocalDpi xmlns:a14="http://schemas.microsoft.com/office/drawing/2010/main" val="0"/>
+              </a:ext>
+            </a:extLst>
+          </a:blip>
+          <a:stretch>
+            <a:fillRect/>
+          </a:stretch>
+        </p:blipFill>
+        <p:spPr>
+          <a:xfrm>
+            <a:off x="891278" y="1051560"/>
+            <a:ext cx="5125942" cy="4846320"/>
+          </a:xfrm>
+          <a:prstGeom prst="rect">
+            <a:avLst/>
+          </a:prstGeom>
+        </p:spPr>
+      </p:pic>
+      <p:pic>
+        <p:nvPicPr>
+          <p:cNvPr id="6" name="Picture 5" descr="A screenshot of a computer&#10;&#10;Description automatically generated">
+            <a:extLst>
+              <a:ext uri="{FF2B5EF4-FFF2-40B4-BE49-F238E27FC236}">
+                <a16:creationId xmlns:a16="http://schemas.microsoft.com/office/drawing/2014/main" id="{0605BC15-68AD-6247-6B41-27997BFF9752}"/>
+              </a:ext>
+            </a:extLst>
+          </p:cNvPr>
+          <p:cNvPicPr>
+            <a:picLocks noChangeAspect="1"/>
+          </p:cNvPicPr>
+          <p:nvPr/>
+        </p:nvPicPr>
+        <p:blipFill>
+          <a:blip r:embed="rId4">
+            <a:extLst>
+              <a:ext uri="{28A0092B-C50C-407E-A947-70E740481C1C}">
+                <a14:useLocalDpi xmlns:a14="http://schemas.microsoft.com/office/drawing/2010/main" val="0"/>
+              </a:ext>
+            </a:extLst>
+          </a:blip>
+          <a:stretch>
+            <a:fillRect/>
+          </a:stretch>
+        </p:blipFill>
+        <p:spPr>
+          <a:xfrm>
+            <a:off x="5925312" y="1051560"/>
+            <a:ext cx="5454192" cy="2249424"/>
+          </a:xfrm>
+          <a:prstGeom prst="rect">
+            <a:avLst/>
+          </a:prstGeom>
+        </p:spPr>
+      </p:pic>
+    </p:spTree>
+    <p:extLst>
+      <p:ext uri="{BB962C8B-B14F-4D97-AF65-F5344CB8AC3E}">
+        <p14:creationId xmlns:p14="http://schemas.microsoft.com/office/powerpoint/2010/main" val="4195499945"/>
+      </p:ext>
+    </p:extLst>
+  </p:cSld>
+  <p:clrMapOvr>
+    <a:masterClrMapping/>
+  </p:clrMapOvr>
+</p:sld>
+</file>
+
+<file path=ppt/slides/slide40.xml><?xml version="1.0" encoding="utf-8"?>
 <p:sld xmlns:a="http://schemas.openxmlformats.org/drawingml/2006/main" xmlns:r="http://schemas.openxmlformats.org/officeDocument/2006/relationships" xmlns:p="http://schemas.openxmlformats.org/presentationml/2006/main">
   <p:cSld>
     <p:bg>
@@ -12082,276 +12672,7 @@
 </p:sld>
 </file>
 
-<file path=ppt/slides/slide4.xml><?xml version="1.0" encoding="utf-8"?>
-<p:sld xmlns:a="http://schemas.openxmlformats.org/drawingml/2006/main" xmlns:r="http://schemas.openxmlformats.org/officeDocument/2006/relationships" xmlns:p="http://schemas.openxmlformats.org/presentationml/2006/main">
-  <p:cSld>
-    <p:bg>
-      <p:bgPr>
-        <a:blipFill rotWithShape="1">
-          <a:blip r:embed="rId2">
-            <a:duotone>
-              <a:schemeClr val="bg2">
-                <a:shade val="18000"/>
-                <a:satMod val="160000"/>
-                <a:lumMod val="28000"/>
-              </a:schemeClr>
-              <a:schemeClr val="bg2">
-                <a:tint val="95000"/>
-                <a:satMod val="160000"/>
-                <a:lumMod val="116000"/>
-              </a:schemeClr>
-            </a:duotone>
-          </a:blip>
-          <a:stretch/>
-        </a:blipFill>
-        <a:effectLst/>
-      </p:bgPr>
-    </p:bg>
-    <p:spTree>
-      <p:nvGrpSpPr>
-        <p:cNvPr id="1" name=""/>
-        <p:cNvGrpSpPr/>
-        <p:nvPr/>
-      </p:nvGrpSpPr>
-      <p:grpSpPr>
-        <a:xfrm>
-          <a:off x="0" y="0"/>
-          <a:ext cx="0" cy="0"/>
-          <a:chOff x="0" y="0"/>
-          <a:chExt cx="0" cy="0"/>
-        </a:xfrm>
-      </p:grpSpPr>
-      <p:sp>
-        <p:nvSpPr>
-          <p:cNvPr id="15" name="Rectangle 14">
-            <a:extLst>
-              <a:ext uri="{FF2B5EF4-FFF2-40B4-BE49-F238E27FC236}">
-                <a16:creationId xmlns:a16="http://schemas.microsoft.com/office/drawing/2014/main" id="{C64CB08F-C3BD-4E43-AD15-33EFC40C0AD3}"/>
-              </a:ext>
-              <a:ext uri="{C183D7F6-B498-43B3-948B-1728B52AA6E4}">
-                <adec:decorative xmlns:adec="http://schemas.microsoft.com/office/drawing/2017/decorative" val="1"/>
-              </a:ext>
-            </a:extLst>
-          </p:cNvPr>
-          <p:cNvSpPr>
-            <a:spLocks noGrp="1" noRot="1" noChangeAspect="1" noMove="1" noResize="1" noEditPoints="1" noAdjustHandles="1" noChangeArrowheads="1" noChangeShapeType="1" noTextEdit="1"/>
-          </p:cNvSpPr>
-          <p:nvPr>
-            <p:extLst>
-              <p:ext uri="{386F3935-93C4-4BCD-93E2-E3B085C9AB24}">
-                <p16:designElem xmlns:p16="http://schemas.microsoft.com/office/powerpoint/2015/main" val="1"/>
-              </p:ext>
-            </p:extLst>
-          </p:nvPr>
-        </p:nvSpPr>
-        <p:spPr>
-          <a:xfrm>
-            <a:off x="752474" y="733425"/>
-            <a:ext cx="10693662" cy="5391150"/>
-          </a:xfrm>
-          <a:prstGeom prst="rect">
-            <a:avLst/>
-          </a:prstGeom>
-          <a:solidFill>
-            <a:srgbClr val="FFFFFF"/>
-          </a:solidFill>
-          <a:ln w="190500" cap="sq">
-            <a:solidFill>
-              <a:srgbClr val="FFFFFF"/>
-            </a:solidFill>
-            <a:miter lim="800000"/>
-          </a:ln>
-          <a:effectLst>
-            <a:outerShdw blurRad="54991" dist="17780" dir="5400000" algn="ctr" rotWithShape="0">
-              <a:schemeClr val="bg1">
-                <a:alpha val="40000"/>
-              </a:schemeClr>
-            </a:outerShdw>
-          </a:effectLst>
-          <a:scene3d>
-            <a:camera prst="orthographicFront"/>
-            <a:lightRig rig="twoPt" dir="t">
-              <a:rot lat="0" lon="0" rev="7200000"/>
-            </a:lightRig>
-          </a:scene3d>
-          <a:sp3d>
-            <a:bevelT w="25400" h="19050"/>
-          </a:sp3d>
-        </p:spPr>
-        <p:style>
-          <a:lnRef idx="2">
-            <a:schemeClr val="accent1">
-              <a:shade val="50000"/>
-            </a:schemeClr>
-          </a:lnRef>
-          <a:fillRef idx="1">
-            <a:schemeClr val="accent1"/>
-          </a:fillRef>
-          <a:effectRef idx="0">
-            <a:schemeClr val="accent1"/>
-          </a:effectRef>
-          <a:fontRef idx="minor">
-            <a:schemeClr val="lt1"/>
-          </a:fontRef>
-        </p:style>
-        <p:txBody>
-          <a:bodyPr rtlCol="0" anchor="ctr"/>
-          <a:lstStyle/>
-          <a:p>
-            <a:pPr algn="ctr"/>
-            <a:endParaRPr lang="en-US"/>
-          </a:p>
-        </p:txBody>
-      </p:sp>
-      <p:sp>
-        <p:nvSpPr>
-          <p:cNvPr id="16" name="Rectangle 15">
-            <a:extLst>
-              <a:ext uri="{FF2B5EF4-FFF2-40B4-BE49-F238E27FC236}">
-                <a16:creationId xmlns:a16="http://schemas.microsoft.com/office/drawing/2014/main" id="{A87302A0-0ECF-43A3-BE19-6AD50BFA8BEF}"/>
-              </a:ext>
-              <a:ext uri="{C183D7F6-B498-43B3-948B-1728B52AA6E4}">
-                <adec:decorative xmlns:adec="http://schemas.microsoft.com/office/drawing/2017/decorative" val="1"/>
-              </a:ext>
-            </a:extLst>
-          </p:cNvPr>
-          <p:cNvSpPr>
-            <a:spLocks noGrp="1" noRot="1" noChangeAspect="1" noMove="1" noResize="1" noEditPoints="1" noAdjustHandles="1" noChangeArrowheads="1" noChangeShapeType="1" noTextEdit="1"/>
-          </p:cNvSpPr>
-          <p:nvPr>
-            <p:extLst>
-              <p:ext uri="{386F3935-93C4-4BCD-93E2-E3B085C9AB24}">
-                <p16:designElem xmlns:p16="http://schemas.microsoft.com/office/powerpoint/2015/main" val="1"/>
-              </p:ext>
-            </p:extLst>
-          </p:nvPr>
-        </p:nvSpPr>
-        <p:spPr>
-          <a:xfrm>
-            <a:off x="812496" y="799817"/>
-            <a:ext cx="10575170" cy="5258367"/>
-          </a:xfrm>
-          <a:prstGeom prst="rect">
-            <a:avLst/>
-          </a:prstGeom>
-          <a:noFill/>
-          <a:ln w="12700">
-            <a:solidFill>
-              <a:schemeClr val="bg2"/>
-            </a:solidFill>
-          </a:ln>
-        </p:spPr>
-        <p:style>
-          <a:lnRef idx="2">
-            <a:schemeClr val="accent1">
-              <a:shade val="50000"/>
-            </a:schemeClr>
-          </a:lnRef>
-          <a:fillRef idx="1">
-            <a:schemeClr val="accent1"/>
-          </a:fillRef>
-          <a:effectRef idx="0">
-            <a:schemeClr val="accent1"/>
-          </a:effectRef>
-          <a:fontRef idx="minor">
-            <a:schemeClr val="lt1"/>
-          </a:fontRef>
-        </p:style>
-        <p:txBody>
-          <a:bodyPr rtlCol="0" anchor="ctr"/>
-          <a:lstStyle/>
-          <a:p>
-            <a:pPr algn="ctr"/>
-            <a:endParaRPr lang="en-US"/>
-          </a:p>
-        </p:txBody>
-      </p:sp>
-      <p:pic>
-        <p:nvPicPr>
-          <p:cNvPr id="4" name="Picture 3" descr="A screenshot of a computer&#10;&#10;Description automatically generated">
-            <a:extLst>
-              <a:ext uri="{FF2B5EF4-FFF2-40B4-BE49-F238E27FC236}">
-                <a16:creationId xmlns:a16="http://schemas.microsoft.com/office/drawing/2014/main" id="{6EC22765-81AD-5AC7-360D-089C15913857}"/>
-              </a:ext>
-            </a:extLst>
-          </p:cNvPr>
-          <p:cNvPicPr>
-            <a:picLocks noChangeAspect="1"/>
-          </p:cNvPicPr>
-          <p:nvPr/>
-        </p:nvPicPr>
-        <p:blipFill>
-          <a:blip r:embed="rId3">
-            <a:extLst>
-              <a:ext uri="{28A0092B-C50C-407E-A947-70E740481C1C}">
-                <a14:useLocalDpi xmlns:a14="http://schemas.microsoft.com/office/drawing/2010/main" val="0"/>
-              </a:ext>
-            </a:extLst>
-          </a:blip>
-          <a:stretch>
-            <a:fillRect/>
-          </a:stretch>
-        </p:blipFill>
-        <p:spPr>
-          <a:xfrm>
-            <a:off x="891278" y="1051560"/>
-            <a:ext cx="5125942" cy="4846320"/>
-          </a:xfrm>
-          <a:prstGeom prst="rect">
-            <a:avLst/>
-          </a:prstGeom>
-        </p:spPr>
-      </p:pic>
-      <p:pic>
-        <p:nvPicPr>
-          <p:cNvPr id="6" name="Picture 5" descr="A screenshot of a computer&#10;&#10;Description automatically generated">
-            <a:extLst>
-              <a:ext uri="{FF2B5EF4-FFF2-40B4-BE49-F238E27FC236}">
-                <a16:creationId xmlns:a16="http://schemas.microsoft.com/office/drawing/2014/main" id="{0605BC15-68AD-6247-6B41-27997BFF9752}"/>
-              </a:ext>
-            </a:extLst>
-          </p:cNvPr>
-          <p:cNvPicPr>
-            <a:picLocks noChangeAspect="1"/>
-          </p:cNvPicPr>
-          <p:nvPr/>
-        </p:nvPicPr>
-        <p:blipFill>
-          <a:blip r:embed="rId4">
-            <a:extLst>
-              <a:ext uri="{28A0092B-C50C-407E-A947-70E740481C1C}">
-                <a14:useLocalDpi xmlns:a14="http://schemas.microsoft.com/office/drawing/2010/main" val="0"/>
-              </a:ext>
-            </a:extLst>
-          </a:blip>
-          <a:stretch>
-            <a:fillRect/>
-          </a:stretch>
-        </p:blipFill>
-        <p:spPr>
-          <a:xfrm>
-            <a:off x="5925312" y="1051560"/>
-            <a:ext cx="5454192" cy="2249424"/>
-          </a:xfrm>
-          <a:prstGeom prst="rect">
-            <a:avLst/>
-          </a:prstGeom>
-        </p:spPr>
-      </p:pic>
-    </p:spTree>
-    <p:extLst>
-      <p:ext uri="{BB962C8B-B14F-4D97-AF65-F5344CB8AC3E}">
-        <p14:creationId xmlns:p14="http://schemas.microsoft.com/office/powerpoint/2010/main" val="4195499945"/>
-      </p:ext>
-    </p:extLst>
-  </p:cSld>
-  <p:clrMapOvr>
-    <a:masterClrMapping/>
-  </p:clrMapOvr>
-</p:sld>
-</file>
-
-<file path=ppt/slides/slide40.xml><?xml version="1.0" encoding="utf-8"?>
+<file path=ppt/slides/slide41.xml><?xml version="1.0" encoding="utf-8"?>
 <p:sld xmlns:a="http://schemas.openxmlformats.org/drawingml/2006/main" xmlns:r="http://schemas.openxmlformats.org/officeDocument/2006/relationships" xmlns:p="http://schemas.openxmlformats.org/presentationml/2006/main">
   <p:cSld>
     <p:bg>
